--- a/reference_material/slides/002_Basic_Descriptive_Stats.pptx
+++ b/reference_material/slides/002_Basic_Descriptive_Stats.pptx
@@ -11,6 +11,7 @@
     <p:sldId id="258" r:id="rId5"/>
     <p:sldId id="259" r:id="rId6"/>
     <p:sldId id="261" r:id="rId7"/>
+    <p:sldId id="262" r:id="rId8"/>
   </p:sldIdLst>
   <p:sldSz cx="12192000" cy="6858000"/>
   <p:notesSz cx="6858000" cy="9144000"/>
@@ -256,7 +257,7 @@
           <a:p>
             <a:fld id="{37483FAA-8DCB-CF4A-AA5F-E981DB5CFF12}" type="datetimeFigureOut">
               <a:rPr lang="en-US" smtClean="0"/>
-              <a:t>5/19/22</a:t>
+              <a:t>8/24/22</a:t>
             </a:fld>
             <a:endParaRPr lang="en-US"/>
           </a:p>
@@ -467,7 +468,7 @@
           <a:p>
             <a:fld id="{37483FAA-8DCB-CF4A-AA5F-E981DB5CFF12}" type="datetimeFigureOut">
               <a:rPr lang="en-US" smtClean="0"/>
-              <a:t>5/19/22</a:t>
+              <a:t>8/24/22</a:t>
             </a:fld>
             <a:endParaRPr lang="en-US"/>
           </a:p>
@@ -682,7 +683,7 @@
           <a:p>
             <a:fld id="{37483FAA-8DCB-CF4A-AA5F-E981DB5CFF12}" type="datetimeFigureOut">
               <a:rPr lang="en-US" smtClean="0"/>
-              <a:t>5/19/22</a:t>
+              <a:t>8/24/22</a:t>
             </a:fld>
             <a:endParaRPr lang="en-US"/>
           </a:p>
@@ -883,7 +884,7 @@
           <a:p>
             <a:fld id="{37483FAA-8DCB-CF4A-AA5F-E981DB5CFF12}" type="datetimeFigureOut">
               <a:rPr lang="en-US" smtClean="0"/>
-              <a:t>5/19/22</a:t>
+              <a:t>8/24/22</a:t>
             </a:fld>
             <a:endParaRPr lang="en-US"/>
           </a:p>
@@ -1162,7 +1163,7 @@
           <a:p>
             <a:fld id="{37483FAA-8DCB-CF4A-AA5F-E981DB5CFF12}" type="datetimeFigureOut">
               <a:rPr lang="en-US" smtClean="0"/>
-              <a:t>5/19/22</a:t>
+              <a:t>8/24/22</a:t>
             </a:fld>
             <a:endParaRPr lang="en-US"/>
           </a:p>
@@ -1430,7 +1431,7 @@
           <a:p>
             <a:fld id="{37483FAA-8DCB-CF4A-AA5F-E981DB5CFF12}" type="datetimeFigureOut">
               <a:rPr lang="en-US" smtClean="0"/>
-              <a:t>5/19/22</a:t>
+              <a:t>8/24/22</a:t>
             </a:fld>
             <a:endParaRPr lang="en-US"/>
           </a:p>
@@ -1846,7 +1847,7 @@
           <a:p>
             <a:fld id="{37483FAA-8DCB-CF4A-AA5F-E981DB5CFF12}" type="datetimeFigureOut">
               <a:rPr lang="en-US" smtClean="0"/>
-              <a:t>5/19/22</a:t>
+              <a:t>8/24/22</a:t>
             </a:fld>
             <a:endParaRPr lang="en-US"/>
           </a:p>
@@ -1995,7 +1996,7 @@
           <a:p>
             <a:fld id="{37483FAA-8DCB-CF4A-AA5F-E981DB5CFF12}" type="datetimeFigureOut">
               <a:rPr lang="en-US" smtClean="0"/>
-              <a:t>5/19/22</a:t>
+              <a:t>8/24/22</a:t>
             </a:fld>
             <a:endParaRPr lang="en-US"/>
           </a:p>
@@ -2121,7 +2122,7 @@
           <a:p>
             <a:fld id="{37483FAA-8DCB-CF4A-AA5F-E981DB5CFF12}" type="datetimeFigureOut">
               <a:rPr lang="en-US" smtClean="0"/>
-              <a:t>5/19/22</a:t>
+              <a:t>8/24/22</a:t>
             </a:fld>
             <a:endParaRPr lang="en-US"/>
           </a:p>
@@ -2372,7 +2373,7 @@
           <a:p>
             <a:fld id="{37483FAA-8DCB-CF4A-AA5F-E981DB5CFF12}" type="datetimeFigureOut">
               <a:rPr lang="en-US" smtClean="0"/>
-              <a:t>5/19/22</a:t>
+              <a:t>8/24/22</a:t>
             </a:fld>
             <a:endParaRPr lang="en-US"/>
           </a:p>
@@ -2817,7 +2818,7 @@
           <a:p>
             <a:fld id="{37483FAA-8DCB-CF4A-AA5F-E981DB5CFF12}" type="datetimeFigureOut">
               <a:rPr lang="en-US" smtClean="0"/>
-              <a:t>5/19/22</a:t>
+              <a:t>8/24/22</a:t>
             </a:fld>
             <a:endParaRPr lang="en-US"/>
           </a:p>
@@ -3144,7 +3145,7 @@
           <a:p>
             <a:fld id="{37483FAA-8DCB-CF4A-AA5F-E981DB5CFF12}" type="datetimeFigureOut">
               <a:rPr lang="en-US" smtClean="0"/>
-              <a:t>5/19/22</a:t>
+              <a:t>8/24/22</a:t>
             </a:fld>
             <a:endParaRPr lang="en-US"/>
           </a:p>
@@ -4178,7 +4179,12 @@
             <p:ph idx="1"/>
           </p:nvPr>
         </p:nvSpPr>
-        <p:spPr/>
+        <p:spPr>
+          <a:xfrm>
+            <a:off x="1451579" y="2015732"/>
+            <a:ext cx="9603275" cy="4037749"/>
+          </a:xfrm>
+        </p:spPr>
         <p:txBody>
           <a:bodyPr/>
           <a:lstStyle/>
@@ -4198,13 +4204,13 @@
           <a:p>
             <a:r>
               <a:rPr lang="en-US" dirty="0"/>
-              <a:t>Variance – </a:t>
+              <a:t>Variance – a measure of how “varied” the values are, i.e. are they clustered over a small range or distributed broadly. </a:t>
             </a:r>
           </a:p>
           <a:p>
             <a:r>
               <a:rPr lang="en-US" dirty="0"/>
-              <a:t>Standard Deviation – </a:t>
+              <a:t>Standard Deviation – the square root of variance. More commonly used for most analysis. </a:t>
             </a:r>
           </a:p>
           <a:p>
@@ -4286,9 +4292,16 @@
             <p:ph idx="1"/>
           </p:nvPr>
         </p:nvSpPr>
-        <p:spPr/>
-        <p:txBody>
-          <a:bodyPr/>
+        <p:spPr>
+          <a:xfrm>
+            <a:off x="1451579" y="2015732"/>
+            <a:ext cx="9603275" cy="3933806"/>
+          </a:xfrm>
+        </p:spPr>
+        <p:txBody>
+          <a:bodyPr>
+            <a:normAutofit/>
+          </a:bodyPr>
           <a:lstStyle/>
           <a:p>
             <a:r>
@@ -4305,11 +4318,16 @@
           <a:p>
             <a:r>
               <a:rPr lang="en-US" dirty="0"/>
-              <a:t>These are fundamental building blocks, we should be comfortable </a:t>
-            </a:r>
-            <a:r>
-              <a:rPr lang="en-US"/>
-              <a:t>with each and what it means. </a:t>
+              <a:t>These are fundamental building blocks, we should be comfortable with each and what it means. </a:t>
+            </a:r>
+          </a:p>
+          <a:p>
+            <a:endParaRPr lang="en-US" dirty="0"/>
+          </a:p>
+          <a:p>
+            <a:r>
+              <a:rPr lang="en-US" dirty="0"/>
+              <a:t>Note: each of these stats looks at one variable at a time, we haven’t looked at all at the relationships between them. </a:t>
             </a:r>
           </a:p>
         </p:txBody>
@@ -4318,6 +4336,139 @@
     <p:extLst>
       <p:ext uri="{BB962C8B-B14F-4D97-AF65-F5344CB8AC3E}">
         <p14:creationId xmlns:p14="http://schemas.microsoft.com/office/powerpoint/2010/main" val="2592082144"/>
+      </p:ext>
+    </p:extLst>
+  </p:cSld>
+  <p:clrMapOvr>
+    <a:masterClrMapping/>
+  </p:clrMapOvr>
+</p:sld>
+</file>
+
+<file path=ppt/slides/slide7.xml><?xml version="1.0" encoding="utf-8"?>
+<p:sld xmlns:a="http://schemas.openxmlformats.org/drawingml/2006/main" xmlns:r="http://schemas.openxmlformats.org/officeDocument/2006/relationships" xmlns:p="http://schemas.openxmlformats.org/presentationml/2006/main">
+  <p:cSld>
+    <p:spTree>
+      <p:nvGrpSpPr>
+        <p:cNvPr id="1" name=""/>
+        <p:cNvGrpSpPr/>
+        <p:nvPr/>
+      </p:nvGrpSpPr>
+      <p:grpSpPr>
+        <a:xfrm>
+          <a:off x="0" y="0"/>
+          <a:ext cx="0" cy="0"/>
+          <a:chOff x="0" y="0"/>
+          <a:chExt cx="0" cy="0"/>
+        </a:xfrm>
+      </p:grpSpPr>
+      <p:sp>
+        <p:nvSpPr>
+          <p:cNvPr id="2" name="Title 1">
+            <a:extLst>
+              <a:ext uri="{FF2B5EF4-FFF2-40B4-BE49-F238E27FC236}">
+                <a16:creationId xmlns:a16="http://schemas.microsoft.com/office/drawing/2014/main" id="{EEDAC334-1D84-91BA-D4CB-59FD96D69E81}"/>
+              </a:ext>
+            </a:extLst>
+          </p:cNvPr>
+          <p:cNvSpPr>
+            <a:spLocks noGrp="1"/>
+          </p:cNvSpPr>
+          <p:nvPr>
+            <p:ph type="title"/>
+          </p:nvPr>
+        </p:nvSpPr>
+        <p:spPr/>
+        <p:txBody>
+          <a:bodyPr/>
+          <a:lstStyle/>
+          <a:p>
+            <a:r>
+              <a:rPr lang="en-US" dirty="0"/>
+              <a:t>Distributions</a:t>
+            </a:r>
+          </a:p>
+        </p:txBody>
+      </p:sp>
+      <p:sp>
+        <p:nvSpPr>
+          <p:cNvPr id="3" name="Content Placeholder 2">
+            <a:extLst>
+              <a:ext uri="{FF2B5EF4-FFF2-40B4-BE49-F238E27FC236}">
+                <a16:creationId xmlns:a16="http://schemas.microsoft.com/office/drawing/2014/main" id="{E3F5F13C-3BF3-F63C-7C6B-D31B839AD5D0}"/>
+              </a:ext>
+            </a:extLst>
+          </p:cNvPr>
+          <p:cNvSpPr>
+            <a:spLocks noGrp="1"/>
+          </p:cNvSpPr>
+          <p:nvPr>
+            <p:ph idx="1"/>
+          </p:nvPr>
+        </p:nvSpPr>
+        <p:spPr/>
+        <p:txBody>
+          <a:bodyPr/>
+          <a:lstStyle/>
+          <a:p>
+            <a:r>
+              <a:rPr lang="en-US" dirty="0"/>
+              <a:t>These individual statistics are helping to build us up to looking at the distribution – a visual representation of the “shape” of the data’s distribution. </a:t>
+            </a:r>
+          </a:p>
+        </p:txBody>
+      </p:sp>
+      <p:pic>
+        <p:nvPicPr>
+          <p:cNvPr id="1026" name="Picture 2" descr="Development of a novel scattered triangulation laser probe with six linear  charge-coupled devices (CCDs) - ScienceDirect">
+            <a:extLst>
+              <a:ext uri="{FF2B5EF4-FFF2-40B4-BE49-F238E27FC236}">
+                <a16:creationId xmlns:a16="http://schemas.microsoft.com/office/drawing/2014/main" id="{AC5E2DA5-BA95-BAF3-8E3A-22EAB1610553}"/>
+              </a:ext>
+            </a:extLst>
+          </p:cNvPr>
+          <p:cNvPicPr>
+            <a:picLocks noChangeAspect="1" noChangeArrowheads="1"/>
+          </p:cNvPicPr>
+          <p:nvPr/>
+        </p:nvPicPr>
+        <p:blipFill>
+          <a:blip r:embed="rId2">
+            <a:extLst>
+              <a:ext uri="{28A0092B-C50C-407E-A947-70E740481C1C}">
+                <a14:useLocalDpi xmlns:a14="http://schemas.microsoft.com/office/drawing/2010/main" val="0"/>
+              </a:ext>
+            </a:extLst>
+          </a:blip>
+          <a:srcRect/>
+          <a:stretch>
+            <a:fillRect/>
+          </a:stretch>
+        </p:blipFill>
+        <p:spPr bwMode="auto">
+          <a:xfrm>
+            <a:off x="3099569" y="2968830"/>
+            <a:ext cx="5992861" cy="3770416"/>
+          </a:xfrm>
+          <a:prstGeom prst="rect">
+            <a:avLst/>
+          </a:prstGeom>
+          <a:noFill/>
+          <a:extLst>
+            <a:ext uri="{909E8E84-426E-40DD-AFC4-6F175D3DCCD1}">
+              <a14:hiddenFill xmlns:a14="http://schemas.microsoft.com/office/drawing/2010/main">
+                <a:solidFill>
+                  <a:srgbClr val="FFFFFF"/>
+                </a:solidFill>
+              </a14:hiddenFill>
+            </a:ext>
+          </a:extLst>
+        </p:spPr>
+      </p:pic>
+    </p:spTree>
+    <p:extLst>
+      <p:ext uri="{BB962C8B-B14F-4D97-AF65-F5344CB8AC3E}">
+        <p14:creationId xmlns:p14="http://schemas.microsoft.com/office/powerpoint/2010/main" val="4122307064"/>
       </p:ext>
     </p:extLst>
   </p:cSld>
